--- a/Document/DOCKER.pptx
+++ b/Document/DOCKER.pptx
@@ -2,7 +2,7 @@
 <file path=ppt/presentation.xml><?xml version="1.0" encoding="utf-8"?>
 <p:presentation xmlns:r="http://schemas.openxmlformats.org/officeDocument/2006/relationships" xmlns:c="http://schemas.openxmlformats.org/drawingml/2006/chart" xmlns:a="http://schemas.openxmlformats.org/drawingml/2006/main" xmlns:dgm="http://schemas.openxmlformats.org/drawingml/2006/diagram" xmlns:dsp="http://schemas.microsoft.com/office/drawing/2008/diagram" xmlns:p="http://schemas.openxmlformats.org/presentationml/2006/main" saveSubsetFonts="1">
   <p:sldMasterIdLst>
-    <p:sldMasterId id="2147483687" r:id="rId1"/>
+    <p:sldMasterId id="2147483660" r:id="rId1"/>
   </p:sldMasterIdLst>
   <p:sldIdLst>
     <p:sldId id="256" r:id="rId2"/>
@@ -26,7 +26,6 @@
     <p:sldId id="274" r:id="rId20"/>
     <p:sldId id="275" r:id="rId21"/>
     <p:sldId id="276" r:id="rId22"/>
-    <p:sldId id="277" r:id="rId23"/>
   </p:sldIdLst>
   <p:sldSz cx="12192000" cy="6858000"/>
   <p:notesSz cx="6858000" cy="9144000"/>
@@ -8708,162 +8707,6 @@
           </a:prstGeom>
         </p:spPr>
       </p:pic>
-    </p:spTree>
-  </p:cSld>
-  <p:clrMapOvr>
-    <a:masterClrMapping/>
-  </p:clrMapOvr>
-  <mc:AlternateContent xmlns:mc="http://schemas.openxmlformats.org/markup-compatibility/2006">
-    <mc:Choice xmlns:p14="http://schemas.microsoft.com/office/powerpoint/2010/main" Requires="p14">
-      <p:transition xmlns:mc="http://schemas.openxmlformats.org/markup-compatibility/2006" xmlns:p14="http://schemas.microsoft.com/office/powerpoint/2010/main" mc:Ignorable="p14" p14:dur="500"/>
-    </mc:Choice>
-    <mc:Fallback>
-      <p:transition/>
-    </mc:Fallback>
-  </mc:AlternateContent>
-</p:sld>
-</file>
-
-<file path=ppt/slides/slide22.xml><?xml version="1.0" encoding="utf-8"?>
-<p:sld xmlns:r="http://schemas.openxmlformats.org/officeDocument/2006/relationships" xmlns:c="http://schemas.openxmlformats.org/drawingml/2006/chart" xmlns:a="http://schemas.openxmlformats.org/drawingml/2006/main" xmlns:dgm="http://schemas.openxmlformats.org/drawingml/2006/diagram" xmlns:dsp="http://schemas.microsoft.com/office/drawing/2008/diagram" xmlns:p="http://schemas.openxmlformats.org/presentationml/2006/main">
-  <p:cSld>
-    <p:spTree>
-      <p:nvGrpSpPr>
-        <p:cNvPr id="1" name=""/>
-        <p:cNvGrpSpPr/>
-        <p:nvPr/>
-      </p:nvGrpSpPr>
-      <p:grpSpPr>
-        <a:xfrm>
-          <a:off x="0" y="0"/>
-          <a:ext cx="0" cy="0"/>
-          <a:chOff x="0" y="0"/>
-          <a:chExt cx="0" cy="0"/>
-        </a:xfrm>
-      </p:grpSpPr>
-      <p:sp>
-        <p:nvSpPr>
-          <p:cNvPr id="2" name="제목 1"/>
-          <p:cNvSpPr>
-            <a:spLocks noGrp="1"/>
-          </p:cNvSpPr>
-          <p:nvPr>
-            <p:ph type="title" idx="0"/>
-          </p:nvPr>
-        </p:nvSpPr>
-        <p:spPr>
-          <a:xfrm>
-            <a:off x="838200" y="365125"/>
-            <a:ext cx="10515600" cy="616387"/>
-          </a:xfrm>
-        </p:spPr>
-        <p:txBody>
-          <a:bodyPr>
-            <a:normAutofit/>
-          </a:bodyPr>
-          <a:lstStyle/>
-          <a:p>
-            <a:pPr lvl="0">
-              <a:defRPr/>
-            </a:pPr>
-            <a:r>
-              <a:rPr lang="en-US" altLang="ko-KR" sz="2800"/>
-              <a:t>Docker</a:t>
-            </a:r>
-            <a:r>
-              <a:rPr lang="ko-KR" altLang="en-US" sz="2800"/>
-              <a:t> </a:t>
-            </a:r>
-            <a:r>
-              <a:rPr lang="en-US" altLang="ko-KR" sz="2800"/>
-              <a:t>Orchestration</a:t>
-            </a:r>
-            <a:endParaRPr lang="en-US" altLang="ko-KR" sz="2800"/>
-          </a:p>
-        </p:txBody>
-      </p:sp>
-      <p:sp>
-        <p:nvSpPr>
-          <p:cNvPr id="3" name="내용 개체 틀 2"/>
-          <p:cNvSpPr>
-            <a:spLocks noGrp="1"/>
-          </p:cNvSpPr>
-          <p:nvPr>
-            <p:ph idx="1"/>
-          </p:nvPr>
-        </p:nvSpPr>
-        <p:spPr>
-          <a:xfrm>
-            <a:off x="838200" y="1199626"/>
-            <a:ext cx="10515600" cy="2977737"/>
-          </a:xfrm>
-        </p:spPr>
-        <p:txBody>
-          <a:bodyPr>
-            <a:noAutofit/>
-          </a:bodyPr>
-          <a:lstStyle/>
-          <a:p>
-            <a:pPr marL="0" indent="0">
-              <a:buNone/>
-              <a:defRPr/>
-            </a:pPr>
-            <a:endParaRPr lang="ko-KR" altLang="en-US" sz="2000"/>
-          </a:p>
-          <a:p>
-            <a:pPr marL="0" indent="0">
-              <a:buNone/>
-              <a:defRPr/>
-            </a:pPr>
-            <a:endParaRPr lang="ko-KR" altLang="en-US" sz="2000"/>
-          </a:p>
-          <a:p>
-            <a:pPr marL="0" indent="0">
-              <a:buNone/>
-              <a:defRPr/>
-            </a:pPr>
-            <a:r>
-              <a:rPr lang="ko-KR" altLang="en-US" sz="2000"/>
-              <a:t>여러 서버에서 다중 컨테이너 애플리케이션을 정의하고 공유될 수 있도록 개발된 도구</a:t>
-            </a:r>
-            <a:endParaRPr lang="ko-KR" altLang="en-US" sz="2000"/>
-          </a:p>
-          <a:p>
-            <a:pPr marL="0" indent="0">
-              <a:buNone/>
-              <a:defRPr/>
-            </a:pPr>
-            <a:endParaRPr lang="ko-KR" altLang="en-US" sz="2000"/>
-          </a:p>
-          <a:p>
-            <a:pPr marL="0" indent="0">
-              <a:buNone/>
-              <a:defRPr/>
-            </a:pPr>
-            <a:r>
-              <a:rPr lang="en-US" altLang="ko-KR" sz="2000"/>
-              <a:t>yaml </a:t>
-            </a:r>
-            <a:r>
-              <a:rPr lang="ko-KR" altLang="en-US" sz="2000"/>
-              <a:t>파일 포맷에 여러 이미지</a:t>
-            </a:r>
-            <a:r>
-              <a:rPr lang="en-US" altLang="ko-KR" sz="2000"/>
-              <a:t>,</a:t>
-            </a:r>
-            <a:r>
-              <a:rPr lang="ko-KR" altLang="en-US" sz="2000"/>
-              <a:t> 환경을 정의해 여러 컨테이너를 한 번에 띄울 수 있음</a:t>
-            </a:r>
-            <a:r>
-              <a:rPr lang="en-US" altLang="ko-KR" sz="2000"/>
-              <a:t>.</a:t>
-            </a:r>
-            <a:endParaRPr lang="en-US" altLang="ko-KR" sz="2000"/>
-          </a:p>
-        </p:txBody>
-      </p:sp>
     </p:spTree>
   </p:cSld>
   <p:clrMapOvr>
